--- a/21-estatosfera.pptx
+++ b/21-estatosfera.pptx
@@ -4,12 +4,16 @@
   <p:sldMasterIdLst>
     <p:sldMasterId id="2147483648" r:id="rId1"/>
   </p:sldMasterIdLst>
+  <p:handoutMasterIdLst>
+    <p:handoutMasterId r:id="rId5"/>
+  </p:handoutMasterIdLst>
   <p:sldIdLst>
-    <p:sldId id="256" r:id="rId3"/>
-    <p:sldId id="257" r:id="rId4"/>
-    <p:sldId id="258" r:id="rId5"/>
-    <p:sldId id="259" r:id="rId6"/>
-    <p:sldId id="260" r:id="rId7"/>
+    <p:sldId id="256" r:id="rId2"/>
+    <p:sldId id="257" r:id="rId3"/>
+    <p:sldId id="258" r:id="rId4"/>
+    <p:sldId id="259" r:id="rId5"/>
+    <p:sldId id="260" r:id="rId6"/>
+    <p:sldId id="261" r:id="rId7"/>
   </p:sldIdLst>
   <p:sldSz cx="12189460" cy="6858000"/>
   <p:notesSz cx="9144000" cy="6858000"/>
@@ -4814,11 +4818,28 @@
           <a:bodyPr/>
           <a:lstStyle/>
           <a:p>
-            <a:pPr marL="0" lvl="0" indent="0">
+            <a:pPr lvl="0" marL="0" indent="0">
               <a:buNone/>
             </a:pPr>
             <a:r>
-              <a:t>Estratósfera o no?</a:t>
+              <a:rPr/>
+              <a:t>Estratósfera</a:t>
+            </a:r>
+            <a:r>
+              <a:rPr/>
+              <a:t> </a:t>
+            </a:r>
+            <a:r>
+              <a:rPr/>
+              <a:t>o</a:t>
+            </a:r>
+            <a:r>
+              <a:rPr/>
+              <a:t> </a:t>
+            </a:r>
+            <a:r>
+              <a:rPr/>
+              <a:t>estratosfeNO?</a:t>
             </a:r>
           </a:p>
         </p:txBody>
@@ -4843,22 +4864,28 @@
           <a:bodyPr/>
           <a:lstStyle/>
           <a:p>
-            <a:pPr marL="0" lvl="0" indent="0">
+            <a:pPr lvl="0" marL="0" indent="0">
               <a:buNone/>
             </a:pPr>
             <a:br/>
             <a:br/>
             <a:r>
-              <a:t>Elio Campitelli</a:t>
+              <a:rPr/>
+              <a:t>Elio</a:t>
+            </a:r>
+            <a:r>
+              <a:rPr/>
+              <a:t> </a:t>
+            </a:r>
+            <a:r>
+              <a:rPr/>
+              <a:t>Campitelli</a:t>
             </a:r>
           </a:p>
         </p:txBody>
       </p:sp>
     </p:spTree>
   </p:cSld>
-  <p:clrMapOvr>
-    <a:masterClrMapping/>
-  </p:clrMapOvr>
 </p:sld>
 </file>
 
@@ -4881,14 +4908,14 @@
       </p:grpSpPr>
       <p:pic>
         <p:nvPicPr>
-          <p:cNvPr id="0" name="Picture 1" descr="fig/21-estatosfera/eof-espacial-1.png"/>
+          <p:cNvPr descr="fig/21-estatosfera/eof-espacial-200-1.png" id="0" name="Picture 1"/>
           <p:cNvPicPr>
             <a:picLocks noGrp="1" noChangeAspect="1"/>
           </p:cNvPicPr>
           <p:nvPr/>
         </p:nvPicPr>
         <p:blipFill>
-          <a:blip r:embed="rId1"/>
+          <a:blip r:embed="rId2"/>
           <a:stretch>
             <a:fillRect/>
           </a:stretch>
@@ -4904,12 +4931,14 @@
           <a:noFill/>
           <a:ln w="9525">
             <a:noFill/>
+            <a:headEnd/>
+            <a:tailEnd/>
           </a:ln>
         </p:spPr>
       </p:pic>
       <p:sp>
         <p:nvSpPr>
-          <p:cNvPr id="2" name="TextBox 3"/>
+          <p:cNvPr id="1" name="TextBox 3"/>
           <p:cNvSpPr txBox="1"/>
           <p:nvPr/>
         </p:nvSpPr>
@@ -4927,20 +4956,154 @@
           <a:bodyPr/>
           <a:lstStyle/>
           <a:p>
-            <a:pPr marL="0" lvl="0" indent="0" algn="ctr">
+            <a:pPr lvl="0" marL="0" indent="0" algn="ctr">
               <a:buNone/>
             </a:pPr>
             <a:r>
-              <a:t>cEOF calculado usando la anomalía zonal. Parte real en sombreado, parte imaginaria en contornos (dataset = ERA Interim).</a:t>
+              <a:rPr/>
+              <a:t>cEOF</a:t>
+            </a:r>
+            <a:r>
+              <a:rPr/>
+              <a:t> </a:t>
+            </a:r>
+            <a:r>
+              <a:rPr/>
+              <a:t>calculado</a:t>
+            </a:r>
+            <a:r>
+              <a:rPr/>
+              <a:t> </a:t>
+            </a:r>
+            <a:r>
+              <a:rPr/>
+              <a:t>usando</a:t>
+            </a:r>
+            <a:r>
+              <a:rPr/>
+              <a:t> </a:t>
+            </a:r>
+            <a:r>
+              <a:rPr/>
+              <a:t>la</a:t>
+            </a:r>
+            <a:r>
+              <a:rPr/>
+              <a:t> </a:t>
+            </a:r>
+            <a:r>
+              <a:rPr/>
+              <a:t>anomalía</a:t>
+            </a:r>
+            <a:r>
+              <a:rPr/>
+              <a:t> </a:t>
+            </a:r>
+            <a:r>
+              <a:rPr/>
+              <a:t>zonal.</a:t>
+            </a:r>
+            <a:r>
+              <a:rPr/>
+              <a:t> </a:t>
+            </a:r>
+            <a:r>
+              <a:rPr/>
+              <a:t>Parte</a:t>
+            </a:r>
+            <a:r>
+              <a:rPr/>
+              <a:t> </a:t>
+            </a:r>
+            <a:r>
+              <a:rPr/>
+              <a:t>real</a:t>
+            </a:r>
+            <a:r>
+              <a:rPr/>
+              <a:t> </a:t>
+            </a:r>
+            <a:r>
+              <a:rPr/>
+              <a:t>en</a:t>
+            </a:r>
+            <a:r>
+              <a:rPr/>
+              <a:t> </a:t>
+            </a:r>
+            <a:r>
+              <a:rPr/>
+              <a:t>sombreado,</a:t>
+            </a:r>
+            <a:r>
+              <a:rPr/>
+              <a:t> </a:t>
+            </a:r>
+            <a:r>
+              <a:rPr/>
+              <a:t>parte</a:t>
+            </a:r>
+            <a:r>
+              <a:rPr/>
+              <a:t> </a:t>
+            </a:r>
+            <a:r>
+              <a:rPr/>
+              <a:t>imaginaria</a:t>
+            </a:r>
+            <a:r>
+              <a:rPr/>
+              <a:t> </a:t>
+            </a:r>
+            <a:r>
+              <a:rPr/>
+              <a:t>en</a:t>
+            </a:r>
+            <a:r>
+              <a:rPr/>
+              <a:t> </a:t>
+            </a:r>
+            <a:r>
+              <a:rPr/>
+              <a:t>contornos</a:t>
+            </a:r>
+            <a:r>
+              <a:rPr/>
+              <a:t> </a:t>
+            </a:r>
+            <a:r>
+              <a:rPr/>
+              <a:t>(dataset</a:t>
+            </a:r>
+            <a:r>
+              <a:rPr/>
+              <a:t> </a:t>
+            </a:r>
+            <a:r>
+              <a:rPr/>
+              <a:t>=</a:t>
+            </a:r>
+            <a:r>
+              <a:rPr/>
+              <a:t> </a:t>
+            </a:r>
+            <a:r>
+              <a:rPr/>
+              <a:t>ERA</a:t>
+            </a:r>
+            <a:r>
+              <a:rPr/>
+              <a:t> </a:t>
+            </a:r>
+            <a:r>
+              <a:rPr/>
+              <a:t>Interim).</a:t>
             </a:r>
           </a:p>
         </p:txBody>
       </p:sp>
     </p:spTree>
   </p:cSld>
-  <p:clrMapOvr>
-    <a:masterClrMapping/>
-  </p:clrMapOvr>
 </p:sld>
 </file>
 
@@ -4963,22 +5126,22 @@
       </p:grpSpPr>
       <p:pic>
         <p:nvPicPr>
-          <p:cNvPr id="0" name="Picture 1" descr="fig/21-estatosfera/unnamed-chunk-1-1.png"/>
+          <p:cNvPr descr="fig/21-estatosfera/eof-espacial-50-1.png" id="0" name="Picture 1"/>
           <p:cNvPicPr>
             <a:picLocks noGrp="1" noChangeAspect="1"/>
           </p:cNvPicPr>
           <p:nvPr/>
         </p:nvPicPr>
         <p:blipFill>
-          <a:blip r:embed="rId1"/>
+          <a:blip r:embed="rId2"/>
           <a:stretch>
             <a:fillRect/>
           </a:stretch>
         </p:blipFill>
         <p:spPr bwMode="auto">
           <a:xfrm>
-            <a:off x="558800" y="127000"/>
-            <a:ext cx="11023600" cy="6540500"/>
+            <a:off x="977900" y="127000"/>
+            <a:ext cx="10160000" cy="6032500"/>
           </a:xfrm>
           <a:prstGeom prst="rect">
             <a:avLst/>
@@ -4986,14 +5149,179 @@
           <a:noFill/>
           <a:ln w="9525">
             <a:noFill/>
+            <a:headEnd/>
+            <a:tailEnd/>
           </a:ln>
         </p:spPr>
       </p:pic>
+      <p:sp>
+        <p:nvSpPr>
+          <p:cNvPr id="1" name="TextBox 3"/>
+          <p:cNvSpPr txBox="1"/>
+          <p:nvPr/>
+        </p:nvSpPr>
+        <p:spPr>
+          <a:xfrm>
+            <a:off x="177800" y="6159500"/>
+            <a:ext cx="11772900" cy="508000"/>
+          </a:xfrm>
+          <a:prstGeom prst="rect">
+            <a:avLst/>
+          </a:prstGeom>
+          <a:noFill/>
+        </p:spPr>
+        <p:txBody>
+          <a:bodyPr/>
+          <a:lstStyle/>
+          <a:p>
+            <a:pPr lvl="0" marL="0" indent="0" algn="ctr">
+              <a:buNone/>
+            </a:pPr>
+            <a:r>
+              <a:rPr/>
+              <a:t>cEOF</a:t>
+            </a:r>
+            <a:r>
+              <a:rPr/>
+              <a:t> </a:t>
+            </a:r>
+            <a:r>
+              <a:rPr/>
+              <a:t>calculado</a:t>
+            </a:r>
+            <a:r>
+              <a:rPr/>
+              <a:t> </a:t>
+            </a:r>
+            <a:r>
+              <a:rPr/>
+              <a:t>usando</a:t>
+            </a:r>
+            <a:r>
+              <a:rPr/>
+              <a:t> </a:t>
+            </a:r>
+            <a:r>
+              <a:rPr/>
+              <a:t>la</a:t>
+            </a:r>
+            <a:r>
+              <a:rPr/>
+              <a:t> </a:t>
+            </a:r>
+            <a:r>
+              <a:rPr/>
+              <a:t>anomalía</a:t>
+            </a:r>
+            <a:r>
+              <a:rPr/>
+              <a:t> </a:t>
+            </a:r>
+            <a:r>
+              <a:rPr/>
+              <a:t>zonal.</a:t>
+            </a:r>
+            <a:r>
+              <a:rPr/>
+              <a:t> </a:t>
+            </a:r>
+            <a:r>
+              <a:rPr/>
+              <a:t>Parte</a:t>
+            </a:r>
+            <a:r>
+              <a:rPr/>
+              <a:t> </a:t>
+            </a:r>
+            <a:r>
+              <a:rPr/>
+              <a:t>real</a:t>
+            </a:r>
+            <a:r>
+              <a:rPr/>
+              <a:t> </a:t>
+            </a:r>
+            <a:r>
+              <a:rPr/>
+              <a:t>en</a:t>
+            </a:r>
+            <a:r>
+              <a:rPr/>
+              <a:t> </a:t>
+            </a:r>
+            <a:r>
+              <a:rPr/>
+              <a:t>sombreado,</a:t>
+            </a:r>
+            <a:r>
+              <a:rPr/>
+              <a:t> </a:t>
+            </a:r>
+            <a:r>
+              <a:rPr/>
+              <a:t>parte</a:t>
+            </a:r>
+            <a:r>
+              <a:rPr/>
+              <a:t> </a:t>
+            </a:r>
+            <a:r>
+              <a:rPr/>
+              <a:t>imaginaria</a:t>
+            </a:r>
+            <a:r>
+              <a:rPr/>
+              <a:t> </a:t>
+            </a:r>
+            <a:r>
+              <a:rPr/>
+              <a:t>en</a:t>
+            </a:r>
+            <a:r>
+              <a:rPr/>
+              <a:t> </a:t>
+            </a:r>
+            <a:r>
+              <a:rPr/>
+              <a:t>contornos</a:t>
+            </a:r>
+            <a:r>
+              <a:rPr/>
+              <a:t> </a:t>
+            </a:r>
+            <a:r>
+              <a:rPr/>
+              <a:t>(dataset</a:t>
+            </a:r>
+            <a:r>
+              <a:rPr/>
+              <a:t> </a:t>
+            </a:r>
+            <a:r>
+              <a:rPr/>
+              <a:t>=</a:t>
+            </a:r>
+            <a:r>
+              <a:rPr/>
+              <a:t> </a:t>
+            </a:r>
+            <a:r>
+              <a:rPr/>
+              <a:t>ERA</a:t>
+            </a:r>
+            <a:r>
+              <a:rPr/>
+              <a:t> </a:t>
+            </a:r>
+            <a:r>
+              <a:rPr/>
+              <a:t>Interim).</a:t>
+            </a:r>
+          </a:p>
+        </p:txBody>
+      </p:sp>
     </p:spTree>
   </p:cSld>
-  <p:clrMapOvr>
-    <a:masterClrMapping/>
-  </p:clrMapOvr>
 </p:sld>
 </file>
 
@@ -5016,22 +5344,22 @@
       </p:grpSpPr>
       <p:pic>
         <p:nvPicPr>
-          <p:cNvPr id="0" name="Picture 1" descr="fig/21-estatosfera/unnamed-chunk-2-1.png"/>
+          <p:cNvPr descr="fig/21-estatosfera/corr-espacial-1.png" id="0" name="Picture 1"/>
           <p:cNvPicPr>
             <a:picLocks noGrp="1" noChangeAspect="1"/>
           </p:cNvPicPr>
           <p:nvPr/>
         </p:nvPicPr>
         <p:blipFill>
-          <a:blip r:embed="rId1"/>
+          <a:blip r:embed="rId2"/>
           <a:stretch>
             <a:fillRect/>
           </a:stretch>
         </p:blipFill>
         <p:spPr bwMode="auto">
           <a:xfrm>
-            <a:off x="558800" y="127000"/>
-            <a:ext cx="11023600" cy="6540500"/>
+            <a:off x="977900" y="127000"/>
+            <a:ext cx="10160000" cy="6032500"/>
           </a:xfrm>
           <a:prstGeom prst="rect">
             <a:avLst/>
@@ -5039,14 +5367,51 @@
           <a:noFill/>
           <a:ln w="9525">
             <a:noFill/>
+            <a:headEnd/>
+            <a:tailEnd/>
           </a:ln>
         </p:spPr>
       </p:pic>
+      <p:sp>
+        <p:nvSpPr>
+          <p:cNvPr id="1" name="TextBox 3"/>
+          <p:cNvSpPr txBox="1"/>
+          <p:nvPr/>
+        </p:nvSpPr>
+        <p:spPr>
+          <a:xfrm>
+            <a:off x="177800" y="6159500"/>
+            <a:ext cx="11772900" cy="508000"/>
+          </a:xfrm>
+          <a:prstGeom prst="rect">
+            <a:avLst/>
+          </a:prstGeom>
+          <a:noFill/>
+        </p:spPr>
+        <p:txBody>
+          <a:bodyPr/>
+          <a:lstStyle/>
+          <a:p>
+            <a:pPr lvl="0" marL="0" indent="0" algn="ctr">
+              <a:buNone/>
+            </a:pPr>
+            <a:r>
+              <a:rPr/>
+              <a:t>Correlación</a:t>
+            </a:r>
+            <a:r>
+              <a:rPr/>
+              <a:t> </a:t>
+            </a:r>
+            <a:r>
+              <a:rPr/>
+              <a:t>espacial</a:t>
+            </a:r>
+          </a:p>
+        </p:txBody>
+      </p:sp>
     </p:spTree>
   </p:cSld>
-  <p:clrMapOvr>
-    <a:masterClrMapping/>
-  </p:clrMapOvr>
 </p:sld>
 </file>
 
@@ -5069,22 +5434,22 @@
       </p:grpSpPr>
       <p:pic>
         <p:nvPicPr>
-          <p:cNvPr id="0" name="Picture 1" descr="fig/21-estatosfera/unnamed-chunk-3-1.png"/>
+          <p:cNvPr descr="fig/21-estatosfera/eof-temporal-1.png" id="0" name="Picture 1"/>
           <p:cNvPicPr>
             <a:picLocks noGrp="1" noChangeAspect="1"/>
           </p:cNvPicPr>
           <p:nvPr/>
         </p:nvPicPr>
         <p:blipFill>
-          <a:blip r:embed="rId1"/>
+          <a:blip r:embed="rId2"/>
           <a:stretch>
             <a:fillRect/>
           </a:stretch>
         </p:blipFill>
         <p:spPr bwMode="auto">
           <a:xfrm>
-            <a:off x="558800" y="127000"/>
-            <a:ext cx="11023600" cy="6540500"/>
+            <a:off x="977900" y="127000"/>
+            <a:ext cx="10160000" cy="6032500"/>
           </a:xfrm>
           <a:prstGeom prst="rect">
             <a:avLst/>
@@ -5092,14 +5457,325 @@
           <a:noFill/>
           <a:ln w="9525">
             <a:noFill/>
+            <a:headEnd/>
+            <a:tailEnd/>
           </a:ln>
         </p:spPr>
       </p:pic>
+      <p:sp>
+        <p:nvSpPr>
+          <p:cNvPr id="1" name="TextBox 3"/>
+          <p:cNvSpPr txBox="1"/>
+          <p:nvPr/>
+        </p:nvSpPr>
+        <p:spPr>
+          <a:xfrm>
+            <a:off x="177800" y="6159500"/>
+            <a:ext cx="11772900" cy="508000"/>
+          </a:xfrm>
+          <a:prstGeom prst="rect">
+            <a:avLst/>
+          </a:prstGeom>
+          <a:noFill/>
+        </p:spPr>
+        <p:txBody>
+          <a:bodyPr/>
+          <a:lstStyle/>
+          <a:p>
+            <a:pPr lvl="0" marL="0" indent="0" algn="ctr">
+              <a:buNone/>
+            </a:pPr>
+            <a:r>
+              <a:rPr/>
+              <a:t>cEOF</a:t>
+            </a:r>
+            <a:r>
+              <a:rPr/>
+              <a:t> </a:t>
+            </a:r>
+            <a:r>
+              <a:rPr/>
+              <a:t>temporales</a:t>
+            </a:r>
+            <a:r>
+              <a:rPr/>
+              <a:t> </a:t>
+            </a:r>
+            <a:r>
+              <a:rPr/>
+              <a:t>en</a:t>
+            </a:r>
+            <a:r>
+              <a:rPr/>
+              <a:t> </a:t>
+            </a:r>
+            <a:r>
+              <a:rPr/>
+              <a:t>cada</a:t>
+            </a:r>
+            <a:r>
+              <a:rPr/>
+              <a:t> </a:t>
+            </a:r>
+            <a:r>
+              <a:rPr/>
+              <a:t>nivel</a:t>
+            </a:r>
+            <a:r>
+              <a:rPr/>
+              <a:t> </a:t>
+            </a:r>
+            <a:r>
+              <a:rPr/>
+              <a:t>para</a:t>
+            </a:r>
+            <a:r>
+              <a:rPr/>
+              <a:t> </a:t>
+            </a:r>
+            <a:r>
+              <a:rPr/>
+              <a:t>el</a:t>
+            </a:r>
+            <a:r>
+              <a:rPr/>
+              <a:t> </a:t>
+            </a:r>
+            <a:r>
+              <a:rPr/>
+              <a:t>cEOF</a:t>
+            </a:r>
+            <a:r>
+              <a:rPr/>
+              <a:t> </a:t>
+            </a:r>
+            <a:r>
+              <a:rPr/>
+              <a:t>computado</a:t>
+            </a:r>
+            <a:r>
+              <a:rPr/>
+              <a:t> </a:t>
+            </a:r>
+            <a:r>
+              <a:rPr/>
+              <a:t>en</a:t>
+            </a:r>
+            <a:r>
+              <a:rPr/>
+              <a:t> </a:t>
+            </a:r>
+            <a:r>
+              <a:rPr/>
+              <a:t>cada</a:t>
+            </a:r>
+            <a:r>
+              <a:rPr/>
+              <a:t> </a:t>
+            </a:r>
+            <a:r>
+              <a:rPr/>
+              <a:t>nivel</a:t>
+            </a:r>
+            <a:r>
+              <a:rPr/>
+              <a:t> </a:t>
+            </a:r>
+            <a:r>
+              <a:rPr/>
+              <a:t>por</a:t>
+            </a:r>
+            <a:r>
+              <a:rPr/>
+              <a:t> </a:t>
+            </a:r>
+            <a:r>
+              <a:rPr/>
+              <a:t>separado</a:t>
+            </a:r>
+            <a:r>
+              <a:rPr/>
+              <a:t> </a:t>
+            </a:r>
+            <a:r>
+              <a:rPr/>
+              <a:t>y</a:t>
+            </a:r>
+            <a:r>
+              <a:rPr/>
+              <a:t> </a:t>
+            </a:r>
+            <a:r>
+              <a:rPr/>
+              <a:t>el</a:t>
+            </a:r>
+            <a:r>
+              <a:rPr/>
+              <a:t> </a:t>
+            </a:r>
+            <a:r>
+              <a:rPr/>
+              <a:t>obtenido</a:t>
+            </a:r>
+            <a:r>
+              <a:rPr/>
+              <a:t> </a:t>
+            </a:r>
+            <a:r>
+              <a:rPr/>
+              <a:t>por</a:t>
+            </a:r>
+            <a:r>
+              <a:rPr/>
+              <a:t> </a:t>
+            </a:r>
+            <a:r>
+              <a:rPr/>
+              <a:t>el</a:t>
+            </a:r>
+            <a:r>
+              <a:rPr/>
+              <a:t> </a:t>
+            </a:r>
+            <a:r>
+              <a:rPr/>
+              <a:t>cEOF</a:t>
+            </a:r>
+            <a:r>
+              <a:rPr/>
+              <a:t> </a:t>
+            </a:r>
+            <a:r>
+              <a:rPr/>
+              <a:t>conjunto.</a:t>
+            </a:r>
+          </a:p>
+        </p:txBody>
+      </p:sp>
     </p:spTree>
   </p:cSld>
-  <p:clrMapOvr>
-    <a:masterClrMapping/>
-  </p:clrMapOvr>
+</p:sld>
+</file>
+
+<file path=ppt/slides/slide6.xml><?xml version="1.0" encoding="utf-8"?>
+<p:sld xmlns:a="http://schemas.openxmlformats.org/drawingml/2006/main" xmlns:r="http://schemas.openxmlformats.org/officeDocument/2006/relationships" xmlns:p="http://schemas.openxmlformats.org/presentationml/2006/main">
+  <p:cSld>
+    <p:spTree>
+      <p:nvGrpSpPr>
+        <p:cNvPr id="1" name=""/>
+        <p:cNvGrpSpPr/>
+        <p:nvPr/>
+      </p:nvGrpSpPr>
+      <p:grpSpPr>
+        <a:xfrm>
+          <a:off x="0" y="0"/>
+          <a:ext cx="0" cy="0"/>
+          <a:chOff x="0" y="0"/>
+          <a:chExt cx="0" cy="0"/>
+        </a:xfrm>
+      </p:grpSpPr>
+      <p:pic>
+        <p:nvPicPr>
+          <p:cNvPr descr="fig/21-estatosfera/correlaciones-1.png" id="0" name="Picture 1"/>
+          <p:cNvPicPr>
+            <a:picLocks noGrp="1" noChangeAspect="1"/>
+          </p:cNvPicPr>
+          <p:nvPr/>
+        </p:nvPicPr>
+        <p:blipFill>
+          <a:blip r:embed="rId2"/>
+          <a:stretch>
+            <a:fillRect/>
+          </a:stretch>
+        </p:blipFill>
+        <p:spPr bwMode="auto">
+          <a:xfrm>
+            <a:off x="977900" y="127000"/>
+            <a:ext cx="10160000" cy="6032500"/>
+          </a:xfrm>
+          <a:prstGeom prst="rect">
+            <a:avLst/>
+          </a:prstGeom>
+          <a:noFill/>
+          <a:ln w="9525">
+            <a:noFill/>
+            <a:headEnd/>
+            <a:tailEnd/>
+          </a:ln>
+        </p:spPr>
+      </p:pic>
+      <p:sp>
+        <p:nvSpPr>
+          <p:cNvPr id="1" name="TextBox 3"/>
+          <p:cNvSpPr txBox="1"/>
+          <p:nvPr/>
+        </p:nvSpPr>
+        <p:spPr>
+          <a:xfrm>
+            <a:off x="177800" y="6159500"/>
+            <a:ext cx="11772900" cy="508000"/>
+          </a:xfrm>
+          <a:prstGeom prst="rect">
+            <a:avLst/>
+          </a:prstGeom>
+          <a:noFill/>
+        </p:spPr>
+        <p:txBody>
+          <a:bodyPr/>
+          <a:lstStyle/>
+          <a:p>
+            <a:pPr lvl="0" marL="0" indent="0" algn="ctr">
+              <a:buNone/>
+            </a:pPr>
+            <a:r>
+              <a:rPr/>
+              <a:t>Correlación</a:t>
+            </a:r>
+            <a:r>
+              <a:rPr/>
+              <a:t> </a:t>
+            </a:r>
+            <a:r>
+              <a:rPr/>
+              <a:t>cruzada</a:t>
+            </a:r>
+            <a:r>
+              <a:rPr/>
+              <a:t> </a:t>
+            </a:r>
+            <a:r>
+              <a:rPr/>
+              <a:t>entre</a:t>
+            </a:r>
+            <a:r>
+              <a:rPr/>
+              <a:t> </a:t>
+            </a:r>
+            <a:r>
+              <a:rPr/>
+              <a:t>las</a:t>
+            </a:r>
+            <a:r>
+              <a:rPr/>
+              <a:t> </a:t>
+            </a:r>
+            <a:r>
+              <a:rPr/>
+              <a:t>series</a:t>
+            </a:r>
+            <a:r>
+              <a:rPr/>
+              <a:t> </a:t>
+            </a:r>
+            <a:r>
+              <a:rPr/>
+              <a:t>temporales</a:t>
+            </a:r>
+          </a:p>
+        </p:txBody>
+      </p:sp>
+    </p:spTree>
+  </p:cSld>
 </p:sld>
 </file>
 
